--- a/仕事ではじめる機械学習1章.pptx
+++ b/仕事ではじめる機械学習1章.pptx
@@ -228,7 +228,7 @@
           <a:p>
             <a:fld id="{98FC50C0-A19E-4DCD-8055-DE127E1F3EF5}" type="datetimeFigureOut">
               <a:rPr kumimoji="1" lang="ja-JP" altLang="en-US" smtClean="0"/>
-              <a:t>2019/5/12</a:t>
+              <a:t>2019/6/22</a:t>
             </a:fld>
             <a:endParaRPr kumimoji="1" lang="ja-JP" altLang="en-US"/>
           </a:p>
@@ -680,11 +680,7 @@
           <a:p>
             <a:r>
               <a:rPr kumimoji="1" lang="ja-JP" altLang="en-US" dirty="0" smtClean="0"/>
-              <a:t>前処理は、～～</a:t>
-            </a:r>
-            <a:r>
-              <a:rPr kumimoji="1" lang="ja-JP" altLang="en-US" dirty="0" smtClean="0"/>
-              <a:t>です。</a:t>
+              <a:t>前処理は、～～です。</a:t>
             </a:r>
             <a:endParaRPr kumimoji="1" lang="en-US" altLang="ja-JP" dirty="0" smtClean="0"/>
           </a:p>
@@ -830,11 +826,7 @@
           <a:p>
             <a:r>
               <a:rPr kumimoji="1" lang="ja-JP" altLang="en-US" dirty="0" smtClean="0"/>
-              <a:t>前処理が終わったのでやっと学習です。学習のアルゴリズムが決まっているので</a:t>
-            </a:r>
-            <a:r>
-              <a:rPr kumimoji="1" lang="ja-JP" altLang="en-US" dirty="0" smtClean="0"/>
-              <a:t>、ここでは～～します。</a:t>
+              <a:t>前処理が終わったのでやっと学習です。学習のアルゴリズムが決まっているので、ここでは～～します。</a:t>
             </a:r>
             <a:endParaRPr kumimoji="1" lang="en-US" altLang="ja-JP" dirty="0" smtClean="0"/>
           </a:p>
@@ -1781,11 +1773,7 @@
             </a:pPr>
             <a:r>
               <a:rPr kumimoji="1" lang="ja-JP" altLang="en-US" baseline="0" dirty="0" smtClean="0"/>
-              <a:t>解くべき課題は何か？プロダクトのどこに機械学習手法を使えばいいのか？を考える際に、ドメイン知識がないと全く見当違いな手法を選んでしまうかも</a:t>
-            </a:r>
-            <a:r>
-              <a:rPr kumimoji="1" lang="ja-JP" altLang="en-US" baseline="0" dirty="0" smtClean="0"/>
-              <a:t>しれませんので、こういった人材が必要だってことです。</a:t>
+              <a:t>解くべき課題は何か？プロダクトのどこに機械学習手法を使えばいいのか？を考える際に、ドメイン知識がないと全く見当違いな手法を選んでしまうかもしれませんので、こういった人材が必要だってことです。</a:t>
             </a:r>
             <a:endParaRPr kumimoji="1" lang="en-US" altLang="ja-JP" baseline="0" dirty="0" smtClean="0"/>
           </a:p>
@@ -2480,23 +2468,7 @@
                   <a:schemeClr val="accent2"/>
                 </a:solidFill>
               </a:rPr>
-              <a:t>で、</a:t>
-            </a:r>
-            <a:r>
-              <a:rPr kumimoji="1" lang="ja-JP" altLang="en-US" dirty="0" smtClean="0">
-                <a:solidFill>
-                  <a:schemeClr val="accent2"/>
-                </a:solidFill>
-              </a:rPr>
-              <a:t>次からプロジェクト</a:t>
-            </a:r>
-            <a:r>
-              <a:rPr kumimoji="1" lang="ja-JP" altLang="en-US" dirty="0" smtClean="0">
-                <a:solidFill>
-                  <a:schemeClr val="accent2"/>
-                </a:solidFill>
-              </a:rPr>
-              <a:t>の流れの項目を一つずつ見て行きます。</a:t>
+              <a:t>で、次からプロジェクトの流れの項目を一つずつ見て行きます。</a:t>
             </a:r>
             <a:endParaRPr kumimoji="1" lang="en-US" altLang="ja-JP" dirty="0" smtClean="0">
               <a:solidFill>
@@ -2790,15 +2762,7 @@
           <a:p>
             <a:r>
               <a:rPr kumimoji="1" lang="ja-JP" altLang="en-US" b="1" dirty="0" smtClean="0"/>
-              <a:t>機械学習を用いるシステム構築の</a:t>
-            </a:r>
-            <a:r>
-              <a:rPr kumimoji="1" lang="ja-JP" altLang="en-US" b="1" dirty="0" smtClean="0"/>
-              <a:t>難しく要因には、</a:t>
-            </a:r>
-            <a:r>
-              <a:rPr kumimoji="1" lang="ja-JP" altLang="en-US" b="1" dirty="0" smtClean="0"/>
-              <a:t>このようなものがあります。</a:t>
+              <a:t>機械学習を用いるシステム構築の難しく要因には、このようなものがあります。</a:t>
             </a:r>
             <a:r>
               <a:rPr kumimoji="1" lang="ja-JP" altLang="en-US" dirty="0" smtClean="0"/>
@@ -2917,11 +2881,7 @@
           <a:p>
             <a:r>
               <a:rPr kumimoji="1" lang="ja-JP" altLang="en-US" dirty="0" smtClean="0"/>
-              <a:t>これはやっかいな問題で</a:t>
-            </a:r>
-            <a:r>
-              <a:rPr kumimoji="1" lang="ja-JP" altLang="en-US" dirty="0" smtClean="0"/>
-              <a:t>、～～っていうことですね。</a:t>
+              <a:t>これはやっかいな問題で、～～っていうことですね。</a:t>
             </a:r>
             <a:endParaRPr kumimoji="1" lang="en-US" altLang="ja-JP" dirty="0" smtClean="0"/>
           </a:p>
@@ -2977,11 +2937,7 @@
           <a:p>
             <a:r>
               <a:rPr kumimoji="1" lang="ja-JP" altLang="en-US" dirty="0" smtClean="0"/>
-              <a:t>～～いう</a:t>
-            </a:r>
-            <a:r>
-              <a:rPr kumimoji="1" lang="ja-JP" altLang="en-US" dirty="0" smtClean="0"/>
-              <a:t>問題では、～～ということで、ルールベースで処理したときのように挙動が決定的ではないってことですね。</a:t>
+              <a:t>～～いう問題では、～～ということで、ルールベースで処理したときのように挙動が決定的ではないってことですね。</a:t>
             </a:r>
             <a:r>
               <a:rPr kumimoji="1" lang="ja-JP" altLang="en-US" b="0" dirty="0" smtClean="0"/>
@@ -3169,11 +3125,7 @@
             </a:r>
             <a:r>
               <a:rPr kumimoji="1" lang="ja-JP" altLang="en-US" b="1" dirty="0" smtClean="0"/>
-              <a:t>サービス上でユーザのアクションごとに非同期で予測するかなどの方法が</a:t>
-            </a:r>
-            <a:r>
-              <a:rPr kumimoji="1" lang="ja-JP" altLang="en-US" b="1" dirty="0" smtClean="0"/>
-              <a:t>あるそうです</a:t>
+              <a:t>サービス上でユーザのアクションごとに非同期で予測するかなどの方法があるそうです</a:t>
             </a:r>
             <a:r>
               <a:rPr kumimoji="1" lang="ja-JP" altLang="en-US" dirty="0" smtClean="0"/>
@@ -3209,15 +3161,7 @@
             </a:r>
             <a:r>
               <a:rPr kumimoji="1" lang="ja-JP" altLang="en-US" dirty="0" smtClean="0"/>
-              <a:t>。結構、予測モデルの開発は、「もう少し、性能が良く成ったらなぁ・・・」と予測モデル自身</a:t>
-            </a:r>
-            <a:r>
-              <a:rPr kumimoji="1" lang="ja-JP" altLang="en-US" dirty="0" smtClean="0"/>
-              <a:t>の改善</a:t>
-            </a:r>
-            <a:r>
-              <a:rPr kumimoji="1" lang="ja-JP" altLang="en-US" dirty="0" smtClean="0"/>
-              <a:t>する泥沼にはまってしまうことがあるので、ちゃんと撤退ラインを決めておくということです。</a:t>
+              <a:t>。結構、予測モデルの開発は、「もう少し、性能が良く成ったらなぁ・・・」と予測モデル自身の改善する泥沼にはまってしまうことがあるので、ちゃんと撤退ラインを決めておくということです。</a:t>
             </a:r>
             <a:endParaRPr kumimoji="1" lang="en-US" altLang="ja-JP" dirty="0" smtClean="0"/>
           </a:p>
@@ -3237,25 +3181,17 @@
           <a:p>
             <a:r>
               <a:rPr kumimoji="1" lang="ja-JP" altLang="en-US" dirty="0" smtClean="0"/>
-              <a:t>機械学習で用いるアルゴリズムはこんな感じでいろんな種類があります。で、アルゴリズムの選定には、それぞれのアルゴリズムの特徴を知っておく必要があるってことです。それぞれの特徴についてもあとの章でやります</a:t>
-            </a:r>
-            <a:r>
-              <a:rPr kumimoji="1" lang="ja-JP" altLang="en-US" dirty="0" smtClean="0"/>
-              <a:t>。</a:t>
-            </a:r>
-            <a:endParaRPr kumimoji="1" lang="en-US" altLang="ja-JP" dirty="0" smtClean="0"/>
-          </a:p>
-          <a:p>
-            <a:endParaRPr kumimoji="1" lang="en-US" altLang="ja-JP" dirty="0" smtClean="0"/>
-          </a:p>
-          <a:p>
-            <a:r>
-              <a:rPr kumimoji="1" lang="ja-JP" altLang="en-US" dirty="0" smtClean="0"/>
-              <a:t>まぁ</a:t>
-            </a:r>
-            <a:r>
-              <a:rPr kumimoji="1" lang="ja-JP" altLang="en-US" dirty="0" smtClean="0"/>
-              <a:t>、ただこれだけいろいろある中で選定するのは結構難しいので、サイキットラーンのチュートリアルには、アルゴリズムを選定できる便利なフローチャートがあるので、はじめはこう</a:t>
+              <a:t>機械学習で用いるアルゴリズムはこんな感じでいろんな種類があります。で、アルゴリズムの選定には、それぞれのアルゴリズムの特徴を知っておく必要があるってことです。それぞれの特徴についてもあとの章でやります。</a:t>
+            </a:r>
+            <a:endParaRPr kumimoji="1" lang="en-US" altLang="ja-JP" dirty="0" smtClean="0"/>
+          </a:p>
+          <a:p>
+            <a:endParaRPr kumimoji="1" lang="en-US" altLang="ja-JP" dirty="0" smtClean="0"/>
+          </a:p>
+          <a:p>
+            <a:r>
+              <a:rPr kumimoji="1" lang="ja-JP" altLang="en-US" dirty="0" smtClean="0"/>
+              <a:t>まぁ、ただこれだけいろいろある中で選定するのは結構難しいので、サイキットラーンのチュートリアルには、アルゴリズムを選定できる便利なフローチャートがあるので、はじめはこう</a:t>
             </a:r>
             <a:r>
               <a:rPr kumimoji="1" lang="ja-JP" altLang="en-US" dirty="0" err="1" smtClean="0"/>
@@ -3371,19 +3307,11 @@
           <a:p>
             <a:r>
               <a:rPr kumimoji="1" lang="ja-JP" altLang="en-US" b="1" dirty="0" smtClean="0"/>
-              <a:t>機械学習では、入力情報を、まず数値ベクトル</a:t>
-            </a:r>
-            <a:r>
-              <a:rPr kumimoji="1" lang="ja-JP" altLang="en-US" b="1" dirty="0" smtClean="0"/>
-              <a:t>に表します</a:t>
-            </a:r>
-            <a:r>
-              <a:rPr kumimoji="1" lang="ja-JP" altLang="en-US" dirty="0" smtClean="0"/>
-              <a:t>。</a:t>
-            </a:r>
-            <a:r>
-              <a:rPr kumimoji="1" lang="ja-JP" altLang="en-US" dirty="0" smtClean="0"/>
-              <a:t>　例えば、明日の積雪の有無を予測するために～～といった特徴量を使うとすると特徴ベクトルは～～のようになります。</a:t>
+              <a:t>機械学習では、入力情報を、まず数値ベクトルに表します</a:t>
+            </a:r>
+            <a:r>
+              <a:rPr kumimoji="1" lang="ja-JP" altLang="en-US" dirty="0" smtClean="0"/>
+              <a:t>。　例えば、明日の積雪の有無を予測するために～～といった特徴量を使うとすると特徴ベクトルは～～のようになります。</a:t>
             </a:r>
             <a:endParaRPr kumimoji="1" lang="en-US" altLang="ja-JP" dirty="0" smtClean="0"/>
           </a:p>
@@ -3490,31 +3418,15 @@
             </a:r>
             <a:r>
               <a:rPr kumimoji="1" lang="ja-JP" altLang="en-US" b="1" dirty="0" smtClean="0"/>
-              <a:t>サーバの</a:t>
+              <a:t>サーバのアプリケーションログ</a:t>
+            </a:r>
+            <a:r>
+              <a:rPr kumimoji="1" lang="ja-JP" altLang="en-US" b="0" dirty="0" smtClean="0"/>
+              <a:t>や、どこをどうクリックしたかなどの</a:t>
             </a:r>
             <a:r>
               <a:rPr kumimoji="1" lang="ja-JP" altLang="en-US" b="1" dirty="0" smtClean="0"/>
-              <a:t>アプリケーションログ</a:t>
-            </a:r>
-            <a:r>
-              <a:rPr kumimoji="1" lang="ja-JP" altLang="en-US" b="0" dirty="0" smtClean="0"/>
-              <a:t>や</a:t>
-            </a:r>
-            <a:r>
-              <a:rPr kumimoji="1" lang="ja-JP" altLang="en-US" b="0" dirty="0" smtClean="0"/>
-              <a:t>、どこを</a:t>
-            </a:r>
-            <a:r>
-              <a:rPr kumimoji="1" lang="ja-JP" altLang="en-US" b="0" dirty="0" smtClean="0"/>
-              <a:t>どうクリックしたかなどの</a:t>
-            </a:r>
-            <a:r>
-              <a:rPr kumimoji="1" lang="ja-JP" altLang="en-US" b="1" dirty="0" smtClean="0"/>
-              <a:t>ユーザ</a:t>
-            </a:r>
-            <a:r>
-              <a:rPr kumimoji="1" lang="ja-JP" altLang="en-US" b="1" dirty="0" smtClean="0"/>
-              <a:t>の行動ログ</a:t>
+              <a:t>ユーザの行動ログ</a:t>
             </a:r>
             <a:r>
               <a:rPr kumimoji="1" lang="ja-JP" altLang="en-US" b="0" dirty="0" smtClean="0"/>
@@ -3697,7 +3609,7 @@
           <a:p>
             <a:fld id="{DF5D9EE5-A6E8-48E2-834A-5126CA8A5F56}" type="datetime1">
               <a:rPr kumimoji="1" lang="ja-JP" altLang="en-US" smtClean="0"/>
-              <a:t>2019/5/12</a:t>
+              <a:t>2019/6/22</a:t>
             </a:fld>
             <a:endParaRPr kumimoji="1" lang="ja-JP" altLang="en-US"/>
           </a:p>
@@ -3899,7 +3811,7 @@
           <a:p>
             <a:fld id="{050B03FE-0732-4930-B8FB-7E0D78937ED6}" type="datetime1">
               <a:rPr kumimoji="1" lang="ja-JP" altLang="en-US" smtClean="0"/>
-              <a:t>2019/5/12</a:t>
+              <a:t>2019/6/22</a:t>
             </a:fld>
             <a:endParaRPr kumimoji="1" lang="ja-JP" altLang="en-US"/>
           </a:p>
@@ -4111,7 +4023,7 @@
           <a:p>
             <a:fld id="{D64BDEAC-E160-4F64-B115-75705AB47DDA}" type="datetime1">
               <a:rPr kumimoji="1" lang="ja-JP" altLang="en-US" smtClean="0"/>
-              <a:t>2019/5/12</a:t>
+              <a:t>2019/6/22</a:t>
             </a:fld>
             <a:endParaRPr kumimoji="1" lang="ja-JP" altLang="en-US"/>
           </a:p>
@@ -4351,7 +4263,7 @@
           <a:p>
             <a:fld id="{1B43A85F-AAD5-4841-A11A-1359B58E3B02}" type="datetime1">
               <a:rPr kumimoji="1" lang="ja-JP" altLang="en-US" smtClean="0"/>
-              <a:t>2019/5/12</a:t>
+              <a:t>2019/6/22</a:t>
             </a:fld>
             <a:endParaRPr kumimoji="1" lang="ja-JP" altLang="en-US"/>
           </a:p>
@@ -4597,7 +4509,7 @@
           <a:p>
             <a:fld id="{66311FDA-7EB3-470C-B6F7-60AA72E6BE32}" type="datetime1">
               <a:rPr kumimoji="1" lang="ja-JP" altLang="en-US" smtClean="0"/>
-              <a:t>2019/5/12</a:t>
+              <a:t>2019/6/22</a:t>
             </a:fld>
             <a:endParaRPr kumimoji="1" lang="ja-JP" altLang="en-US"/>
           </a:p>
@@ -4893,7 +4805,7 @@
           <a:p>
             <a:fld id="{0CFFABAF-61FC-4CDF-830B-021F453B0FEB}" type="datetime1">
               <a:rPr kumimoji="1" lang="ja-JP" altLang="en-US" smtClean="0"/>
-              <a:t>2019/5/12</a:t>
+              <a:t>2019/6/22</a:t>
             </a:fld>
             <a:endParaRPr kumimoji="1" lang="ja-JP" altLang="en-US"/>
           </a:p>
@@ -5324,7 +5236,7 @@
           <a:p>
             <a:fld id="{148C7CF2-A5B2-4A5C-AD2A-0846426B6086}" type="datetime1">
               <a:rPr kumimoji="1" lang="ja-JP" altLang="en-US" smtClean="0"/>
-              <a:t>2019/5/12</a:t>
+              <a:t>2019/6/22</a:t>
             </a:fld>
             <a:endParaRPr kumimoji="1" lang="ja-JP" altLang="en-US"/>
           </a:p>
@@ -5442,7 +5354,7 @@
           <a:p>
             <a:fld id="{560E03DF-A70F-47A4-AAEE-000D89B5E696}" type="datetime1">
               <a:rPr kumimoji="1" lang="ja-JP" altLang="en-US" smtClean="0"/>
-              <a:t>2019/5/12</a:t>
+              <a:t>2019/6/22</a:t>
             </a:fld>
             <a:endParaRPr kumimoji="1" lang="ja-JP" altLang="en-US"/>
           </a:p>
@@ -5537,7 +5449,7 @@
           <a:p>
             <a:fld id="{CB953649-A7BD-44C0-A72C-863D05125866}" type="datetime1">
               <a:rPr kumimoji="1" lang="ja-JP" altLang="en-US" smtClean="0"/>
-              <a:t>2019/5/12</a:t>
+              <a:t>2019/6/22</a:t>
             </a:fld>
             <a:endParaRPr kumimoji="1" lang="ja-JP" altLang="en-US"/>
           </a:p>
@@ -5846,7 +5758,7 @@
           <a:p>
             <a:fld id="{DFFC32FB-90D4-4380-827B-A0B541F3B73F}" type="datetime1">
               <a:rPr kumimoji="1" lang="ja-JP" altLang="en-US" smtClean="0"/>
-              <a:t>2019/5/12</a:t>
+              <a:t>2019/6/22</a:t>
             </a:fld>
             <a:endParaRPr kumimoji="1" lang="ja-JP" altLang="en-US"/>
           </a:p>
@@ -6099,7 +6011,7 @@
           <a:p>
             <a:fld id="{65F34B8C-2C50-45B2-BC35-BE8B04789902}" type="datetime1">
               <a:rPr kumimoji="1" lang="ja-JP" altLang="en-US" smtClean="0"/>
-              <a:t>2019/5/12</a:t>
+              <a:t>2019/6/22</a:t>
             </a:fld>
             <a:endParaRPr kumimoji="1" lang="ja-JP" altLang="en-US"/>
           </a:p>
@@ -6344,7 +6256,7 @@
           <a:p>
             <a:fld id="{9026DD2F-2E95-48DA-A380-73CB1D30DF23}" type="datetime1">
               <a:rPr kumimoji="1" lang="ja-JP" altLang="en-US" smtClean="0"/>
-              <a:t>2019/5/12</a:t>
+              <a:t>2019/6/22</a:t>
             </a:fld>
             <a:endParaRPr kumimoji="1" lang="ja-JP" altLang="en-US"/>
           </a:p>
@@ -7164,11 +7076,7 @@
             </a:r>
             <a:r>
               <a:rPr lang="ja-JP" altLang="en-US" dirty="0" smtClean="0"/>
-              <a:t>画像認識では、写真に写っている「車」や「犬」といったカテゴリの正解を決めて</a:t>
-            </a:r>
-            <a:r>
-              <a:rPr lang="ja-JP" altLang="en-US" dirty="0" smtClean="0"/>
-              <a:t>おく</a:t>
+              <a:t>画像認識では、写真に写っている「車」や「犬」といったカテゴリの正解を決めておく</a:t>
             </a:r>
             <a:endParaRPr lang="en-US" altLang="ja-JP" dirty="0" smtClean="0"/>
           </a:p>
@@ -7180,11 +7088,7 @@
             <a:pPr lvl="1"/>
             <a:r>
               <a:rPr lang="ja-JP" altLang="en-US" dirty="0" smtClean="0"/>
-              <a:t>教師あり学習では、質の良い正解ラベルをどのように取得するかが</a:t>
-            </a:r>
-            <a:r>
-              <a:rPr lang="ja-JP" altLang="en-US" dirty="0" smtClean="0"/>
-              <a:t>重要</a:t>
+              <a:t>教師あり学習では、質の良い正解ラベルをどのように取得するかが重要</a:t>
             </a:r>
             <a:endParaRPr lang="en-US" altLang="ja-JP" dirty="0" smtClean="0"/>
           </a:p>
@@ -7545,15 +7449,7 @@
             </a:r>
             <a:r>
               <a:rPr lang="ja-JP" altLang="en-US" dirty="0" smtClean="0"/>
-              <a:t>し、より良い結果が</a:t>
-            </a:r>
-            <a:r>
-              <a:rPr lang="ja-JP" altLang="en-US" dirty="0" smtClean="0"/>
-              <a:t>でる</a:t>
-            </a:r>
-            <a:r>
-              <a:rPr lang="ja-JP" altLang="en-US" dirty="0" smtClean="0"/>
-              <a:t>パラメータを探索</a:t>
+              <a:t>し、より良い結果がでるパラメータを探索</a:t>
             </a:r>
             <a:endParaRPr lang="en-US" altLang="ja-JP" dirty="0" smtClean="0"/>
           </a:p>
@@ -8517,11 +8413,7 @@
           <a:p>
             <a:r>
               <a:rPr lang="ja-JP" altLang="en-US" dirty="0" smtClean="0"/>
-              <a:t>予測性能モニタリング</a:t>
-            </a:r>
-            <a:r>
-              <a:rPr lang="ja-JP" altLang="en-US" dirty="0" smtClean="0"/>
-              <a:t>では、あらかじめ人手で用意したデータと正解ラベルのセットを使って予測性能を計測</a:t>
+              <a:t>予測性能モニタリングでは、あらかじめ人手で用意したデータと正解ラベルのセットを使って予測性能を計測</a:t>
             </a:r>
             <a:endParaRPr lang="en-US" altLang="ja-JP" dirty="0" smtClean="0"/>
           </a:p>

--- a/仕事ではじめる機械学習1章.pptx
+++ b/仕事ではじめる機械学習1章.pptx
@@ -228,7 +228,7 @@
           <a:p>
             <a:fld id="{98FC50C0-A19E-4DCD-8055-DE127E1F3EF5}" type="datetimeFigureOut">
               <a:rPr kumimoji="1" lang="ja-JP" altLang="en-US" smtClean="0"/>
-              <a:t>2019/6/22</a:t>
+              <a:t>2019/6/29</a:t>
             </a:fld>
             <a:endParaRPr kumimoji="1" lang="ja-JP" altLang="en-US"/>
           </a:p>
@@ -3609,7 +3609,7 @@
           <a:p>
             <a:fld id="{DF5D9EE5-A6E8-48E2-834A-5126CA8A5F56}" type="datetime1">
               <a:rPr kumimoji="1" lang="ja-JP" altLang="en-US" smtClean="0"/>
-              <a:t>2019/6/22</a:t>
+              <a:t>2019/6/29</a:t>
             </a:fld>
             <a:endParaRPr kumimoji="1" lang="ja-JP" altLang="en-US"/>
           </a:p>
@@ -3811,7 +3811,7 @@
           <a:p>
             <a:fld id="{050B03FE-0732-4930-B8FB-7E0D78937ED6}" type="datetime1">
               <a:rPr kumimoji="1" lang="ja-JP" altLang="en-US" smtClean="0"/>
-              <a:t>2019/6/22</a:t>
+              <a:t>2019/6/29</a:t>
             </a:fld>
             <a:endParaRPr kumimoji="1" lang="ja-JP" altLang="en-US"/>
           </a:p>
@@ -4023,7 +4023,7 @@
           <a:p>
             <a:fld id="{D64BDEAC-E160-4F64-B115-75705AB47DDA}" type="datetime1">
               <a:rPr kumimoji="1" lang="ja-JP" altLang="en-US" smtClean="0"/>
-              <a:t>2019/6/22</a:t>
+              <a:t>2019/6/29</a:t>
             </a:fld>
             <a:endParaRPr kumimoji="1" lang="ja-JP" altLang="en-US"/>
           </a:p>
@@ -4263,7 +4263,7 @@
           <a:p>
             <a:fld id="{1B43A85F-AAD5-4841-A11A-1359B58E3B02}" type="datetime1">
               <a:rPr kumimoji="1" lang="ja-JP" altLang="en-US" smtClean="0"/>
-              <a:t>2019/6/22</a:t>
+              <a:t>2019/6/29</a:t>
             </a:fld>
             <a:endParaRPr kumimoji="1" lang="ja-JP" altLang="en-US"/>
           </a:p>
@@ -4509,7 +4509,7 @@
           <a:p>
             <a:fld id="{66311FDA-7EB3-470C-B6F7-60AA72E6BE32}" type="datetime1">
               <a:rPr kumimoji="1" lang="ja-JP" altLang="en-US" smtClean="0"/>
-              <a:t>2019/6/22</a:t>
+              <a:t>2019/6/29</a:t>
             </a:fld>
             <a:endParaRPr kumimoji="1" lang="ja-JP" altLang="en-US"/>
           </a:p>
@@ -4805,7 +4805,7 @@
           <a:p>
             <a:fld id="{0CFFABAF-61FC-4CDF-830B-021F453B0FEB}" type="datetime1">
               <a:rPr kumimoji="1" lang="ja-JP" altLang="en-US" smtClean="0"/>
-              <a:t>2019/6/22</a:t>
+              <a:t>2019/6/29</a:t>
             </a:fld>
             <a:endParaRPr kumimoji="1" lang="ja-JP" altLang="en-US"/>
           </a:p>
@@ -5236,7 +5236,7 @@
           <a:p>
             <a:fld id="{148C7CF2-A5B2-4A5C-AD2A-0846426B6086}" type="datetime1">
               <a:rPr kumimoji="1" lang="ja-JP" altLang="en-US" smtClean="0"/>
-              <a:t>2019/6/22</a:t>
+              <a:t>2019/6/29</a:t>
             </a:fld>
             <a:endParaRPr kumimoji="1" lang="ja-JP" altLang="en-US"/>
           </a:p>
@@ -5354,7 +5354,7 @@
           <a:p>
             <a:fld id="{560E03DF-A70F-47A4-AAEE-000D89B5E696}" type="datetime1">
               <a:rPr kumimoji="1" lang="ja-JP" altLang="en-US" smtClean="0"/>
-              <a:t>2019/6/22</a:t>
+              <a:t>2019/6/29</a:t>
             </a:fld>
             <a:endParaRPr kumimoji="1" lang="ja-JP" altLang="en-US"/>
           </a:p>
@@ -5449,7 +5449,7 @@
           <a:p>
             <a:fld id="{CB953649-A7BD-44C0-A72C-863D05125866}" type="datetime1">
               <a:rPr kumimoji="1" lang="ja-JP" altLang="en-US" smtClean="0"/>
-              <a:t>2019/6/22</a:t>
+              <a:t>2019/6/29</a:t>
             </a:fld>
             <a:endParaRPr kumimoji="1" lang="ja-JP" altLang="en-US"/>
           </a:p>
@@ -5758,7 +5758,7 @@
           <a:p>
             <a:fld id="{DFFC32FB-90D4-4380-827B-A0B541F3B73F}" type="datetime1">
               <a:rPr kumimoji="1" lang="ja-JP" altLang="en-US" smtClean="0"/>
-              <a:t>2019/6/22</a:t>
+              <a:t>2019/6/29</a:t>
             </a:fld>
             <a:endParaRPr kumimoji="1" lang="ja-JP" altLang="en-US"/>
           </a:p>
@@ -6011,7 +6011,7 @@
           <a:p>
             <a:fld id="{65F34B8C-2C50-45B2-BC35-BE8B04789902}" type="datetime1">
               <a:rPr kumimoji="1" lang="ja-JP" altLang="en-US" smtClean="0"/>
-              <a:t>2019/6/22</a:t>
+              <a:t>2019/6/29</a:t>
             </a:fld>
             <a:endParaRPr kumimoji="1" lang="ja-JP" altLang="en-US"/>
           </a:p>
@@ -6256,7 +6256,7 @@
           <a:p>
             <a:fld id="{9026DD2F-2E95-48DA-A380-73CB1D30DF23}" type="datetime1">
               <a:rPr kumimoji="1" lang="ja-JP" altLang="en-US" smtClean="0"/>
-              <a:t>2019/6/22</a:t>
+              <a:t>2019/6/29</a:t>
             </a:fld>
             <a:endParaRPr kumimoji="1" lang="ja-JP" altLang="en-US"/>
           </a:p>
